--- a/Final_Project/Housing_Final_Presentation.pptx
+++ b/Final_Project/Housing_Final_Presentation.pptx
@@ -11,7 +11,7 @@
     <p:sldId id="259" r:id="rId5"/>
     <p:sldId id="260" r:id="rId6"/>
     <p:sldId id="261" r:id="rId7"/>
-    <p:sldId id="262" r:id="rId8"/>
+    <p:sldId id="263" r:id="rId8"/>
   </p:sldIdLst>
   <p:sldSz cx="12192000" cy="6858000"/>
   <p:notesSz cx="6858000" cy="9144000"/>
@@ -110,6 +110,11 @@
       </a:defRPr>
     </a:lvl9pPr>
   </p:defaultTextStyle>
+  <p:extLst>
+    <p:ext uri="{EFAFB233-063F-42B5-8137-9DF3F51BA10A}">
+      <p15:sldGuideLst xmlns:p15="http://schemas.microsoft.com/office/powerpoint/2012/main"/>
+    </p:ext>
+  </p:extLst>
 </p:presentation>
 </file>
 
@@ -260,7 +265,7 @@
           <a:p>
             <a:fld id="{2B27AA16-B412-4651-80AA-DFBEC561EC40}" type="datetimeFigureOut">
               <a:rPr lang="en-US" smtClean="0"/>
-              <a:t>5/16/2020</a:t>
+              <a:t>5/20/2020</a:t>
             </a:fld>
             <a:endParaRPr lang="en-US"/>
           </a:p>
@@ -458,7 +463,7 @@
           <a:p>
             <a:fld id="{2B27AA16-B412-4651-80AA-DFBEC561EC40}" type="datetimeFigureOut">
               <a:rPr lang="en-US" smtClean="0"/>
-              <a:t>5/16/2020</a:t>
+              <a:t>5/20/2020</a:t>
             </a:fld>
             <a:endParaRPr lang="en-US"/>
           </a:p>
@@ -666,7 +671,7 @@
           <a:p>
             <a:fld id="{2B27AA16-B412-4651-80AA-DFBEC561EC40}" type="datetimeFigureOut">
               <a:rPr lang="en-US" smtClean="0"/>
-              <a:t>5/16/2020</a:t>
+              <a:t>5/20/2020</a:t>
             </a:fld>
             <a:endParaRPr lang="en-US"/>
           </a:p>
@@ -864,7 +869,7 @@
           <a:p>
             <a:fld id="{2B27AA16-B412-4651-80AA-DFBEC561EC40}" type="datetimeFigureOut">
               <a:rPr lang="en-US" smtClean="0"/>
-              <a:t>5/16/2020</a:t>
+              <a:t>5/20/2020</a:t>
             </a:fld>
             <a:endParaRPr lang="en-US"/>
           </a:p>
@@ -1139,7 +1144,7 @@
           <a:p>
             <a:fld id="{2B27AA16-B412-4651-80AA-DFBEC561EC40}" type="datetimeFigureOut">
               <a:rPr lang="en-US" smtClean="0"/>
-              <a:t>5/16/2020</a:t>
+              <a:t>5/20/2020</a:t>
             </a:fld>
             <a:endParaRPr lang="en-US"/>
           </a:p>
@@ -1404,7 +1409,7 @@
           <a:p>
             <a:fld id="{2B27AA16-B412-4651-80AA-DFBEC561EC40}" type="datetimeFigureOut">
               <a:rPr lang="en-US" smtClean="0"/>
-              <a:t>5/16/2020</a:t>
+              <a:t>5/20/2020</a:t>
             </a:fld>
             <a:endParaRPr lang="en-US"/>
           </a:p>
@@ -1816,7 +1821,7 @@
           <a:p>
             <a:fld id="{2B27AA16-B412-4651-80AA-DFBEC561EC40}" type="datetimeFigureOut">
               <a:rPr lang="en-US" smtClean="0"/>
-              <a:t>5/16/2020</a:t>
+              <a:t>5/20/2020</a:t>
             </a:fld>
             <a:endParaRPr lang="en-US"/>
           </a:p>
@@ -1957,7 +1962,7 @@
           <a:p>
             <a:fld id="{2B27AA16-B412-4651-80AA-DFBEC561EC40}" type="datetimeFigureOut">
               <a:rPr lang="en-US" smtClean="0"/>
-              <a:t>5/16/2020</a:t>
+              <a:t>5/20/2020</a:t>
             </a:fld>
             <a:endParaRPr lang="en-US"/>
           </a:p>
@@ -2070,7 +2075,7 @@
           <a:p>
             <a:fld id="{2B27AA16-B412-4651-80AA-DFBEC561EC40}" type="datetimeFigureOut">
               <a:rPr lang="en-US" smtClean="0"/>
-              <a:t>5/16/2020</a:t>
+              <a:t>5/20/2020</a:t>
             </a:fld>
             <a:endParaRPr lang="en-US"/>
           </a:p>
@@ -2381,7 +2386,7 @@
           <a:p>
             <a:fld id="{2B27AA16-B412-4651-80AA-DFBEC561EC40}" type="datetimeFigureOut">
               <a:rPr lang="en-US" smtClean="0"/>
-              <a:t>5/16/2020</a:t>
+              <a:t>5/20/2020</a:t>
             </a:fld>
             <a:endParaRPr lang="en-US"/>
           </a:p>
@@ -2669,7 +2674,7 @@
           <a:p>
             <a:fld id="{2B27AA16-B412-4651-80AA-DFBEC561EC40}" type="datetimeFigureOut">
               <a:rPr lang="en-US" smtClean="0"/>
-              <a:t>5/16/2020</a:t>
+              <a:t>5/20/2020</a:t>
             </a:fld>
             <a:endParaRPr lang="en-US"/>
           </a:p>
@@ -2746,9 +2751,38 @@
 <p:sldMaster xmlns:a="http://schemas.openxmlformats.org/drawingml/2006/main" xmlns:r="http://schemas.openxmlformats.org/officeDocument/2006/relationships" xmlns:p="http://schemas.openxmlformats.org/presentationml/2006/main">
   <p:cSld>
     <p:bg>
-      <p:bgRef idx="1001">
-        <a:schemeClr val="bg1"/>
-      </p:bgRef>
+      <p:bgPr>
+        <a:gradFill flip="none" rotWithShape="1">
+          <a:gsLst>
+            <a:gs pos="36000">
+              <a:schemeClr val="bg2">
+                <a:lumMod val="90000"/>
+              </a:schemeClr>
+            </a:gs>
+            <a:gs pos="74000">
+              <a:schemeClr val="accent1">
+                <a:lumMod val="45000"/>
+                <a:lumOff val="55000"/>
+              </a:schemeClr>
+            </a:gs>
+            <a:gs pos="83000">
+              <a:schemeClr val="accent1">
+                <a:lumMod val="45000"/>
+                <a:lumOff val="55000"/>
+              </a:schemeClr>
+            </a:gs>
+            <a:gs pos="100000">
+              <a:schemeClr val="accent1">
+                <a:lumMod val="30000"/>
+                <a:lumOff val="70000"/>
+              </a:schemeClr>
+            </a:gs>
+          </a:gsLst>
+          <a:lin ang="5400000" scaled="1"/>
+          <a:tileRect/>
+        </a:gradFill>
+        <a:effectLst/>
+      </p:bgPr>
     </p:bg>
     <p:spTree>
       <p:nvGrpSpPr>
@@ -2910,7 +2944,7 @@
           <a:p>
             <a:fld id="{2B27AA16-B412-4651-80AA-DFBEC561EC40}" type="datetimeFigureOut">
               <a:rPr lang="en-US" smtClean="0"/>
-              <a:t>5/16/2020</a:t>
+              <a:t>5/20/2020</a:t>
             </a:fld>
             <a:endParaRPr lang="en-US"/>
           </a:p>
@@ -3315,15 +3349,9 @@
   <p:cSld>
     <p:bg>
       <p:bgPr>
-        <a:blipFill dpi="0" rotWithShape="1">
-          <a:blip r:embed="rId2">
-            <a:lum/>
-          </a:blip>
-          <a:srcRect/>
-          <a:stretch>
-            <a:fillRect l="-1000" t="7000" r="-1000" b="-5000"/>
-          </a:stretch>
-        </a:blipFill>
+        <a:solidFill>
+          <a:schemeClr val="bg1"/>
+        </a:solidFill>
         <a:effectLst/>
       </p:bgPr>
     </p:bg>
@@ -3343,82 +3371,94 @@
       </p:grpSpPr>
       <p:sp>
         <p:nvSpPr>
-          <p:cNvPr id="3" name="Subtitle 2">
-            <a:extLst>
-              <a:ext uri="{FF2B5EF4-FFF2-40B4-BE49-F238E27FC236}">
-                <a16:creationId xmlns:a16="http://schemas.microsoft.com/office/drawing/2014/main" id="{5F3DC9F4-A27B-469F-82F2-A00157631669}"/>
-              </a:ext>
-            </a:extLst>
-          </p:cNvPr>
-          <p:cNvSpPr>
-            <a:spLocks noGrp="1"/>
-          </p:cNvSpPr>
-          <p:nvPr>
-            <p:ph type="subTitle" idx="1"/>
-          </p:nvPr>
-        </p:nvSpPr>
-        <p:spPr>
+          <p:cNvPr id="10" name="Rectangle 9">
+            <a:extLst>
+              <a:ext uri="{FF2B5EF4-FFF2-40B4-BE49-F238E27FC236}">
+                <a16:creationId xmlns:a16="http://schemas.microsoft.com/office/drawing/2014/main" id="{3EDD119B-6BFA-4C3F-90CE-97DAFD604ECC}"/>
+              </a:ext>
+              <a:ext uri="{C183D7F6-B498-43B3-948B-1728B52AA6E4}">
+                <adec:decorative xmlns:adec="http://schemas.microsoft.com/office/drawing/2017/decorative" val="1"/>
+              </a:ext>
+            </a:extLst>
+          </p:cNvPr>
+          <p:cNvSpPr>
+            <a:spLocks noGrp="1" noRot="1" noChangeAspect="1" noMove="1" noResize="1" noEditPoints="1" noAdjustHandles="1" noChangeArrowheads="1" noChangeShapeType="1" noTextEdit="1"/>
+          </p:cNvSpPr>
+          <p:nvPr>
+            <p:extLst>
+              <p:ext uri="{386F3935-93C4-4BCD-93E2-E3B085C9AB24}">
+                <p16:designElem xmlns:p16="http://schemas.microsoft.com/office/powerpoint/2015/main" val="1"/>
+              </p:ext>
+            </p:extLst>
+          </p:nvPr>
+        </p:nvSpPr>
+        <p:spPr bwMode="ltGray">
           <a:xfrm>
-            <a:off x="2194194" y="4821238"/>
-            <a:ext cx="9144000" cy="1655762"/>
-          </a:xfrm>
-        </p:spPr>
-        <p:txBody>
-          <a:bodyPr/>
-          <a:lstStyle/>
-          <a:p>
-            <a:pPr algn="r"/>
-            <a:r>
-              <a:rPr lang="en-US" dirty="0"/>
-              <a:t>Eli Lobato</a:t>
-            </a:r>
-          </a:p>
-          <a:p>
-            <a:pPr algn="r"/>
-            <a:r>
-              <a:rPr lang="en-US" dirty="0"/>
-              <a:t>Yannick </a:t>
-            </a:r>
-            <a:r>
-              <a:rPr lang="en-US" dirty="0" err="1"/>
-              <a:t>Befidi</a:t>
-            </a:r>
-            <a:endParaRPr lang="en-US" dirty="0"/>
-          </a:p>
-          <a:p>
-            <a:pPr algn="r"/>
-            <a:r>
-              <a:rPr lang="en-US" dirty="0"/>
-              <a:t>Bryce Jones</a:t>
-            </a:r>
-          </a:p>
-        </p:txBody>
-      </p:sp>
-      <p:sp>
-        <p:nvSpPr>
-          <p:cNvPr id="5" name="Rectangle 4">
-            <a:extLst>
-              <a:ext uri="{FF2B5EF4-FFF2-40B4-BE49-F238E27FC236}">
-                <a16:creationId xmlns:a16="http://schemas.microsoft.com/office/drawing/2014/main" id="{5268B972-03E8-4D2D-8989-5CEB0EB8204F}"/>
-              </a:ext>
-            </a:extLst>
-          </p:cNvPr>
-          <p:cNvSpPr/>
-          <p:nvPr/>
-        </p:nvSpPr>
-        <p:spPr>
-          <a:xfrm>
-            <a:off x="1155663" y="176463"/>
-            <a:ext cx="10182531" cy="923330"/>
+            <a:off x="321564" y="320040"/>
+            <a:ext cx="11548872" cy="6217920"/>
           </a:xfrm>
           <a:prstGeom prst="rect">
             <a:avLst/>
           </a:prstGeom>
-          <a:noFill/>
+          <a:solidFill>
+            <a:schemeClr val="tx1">
+              <a:lumMod val="75000"/>
+              <a:lumOff val="25000"/>
+            </a:schemeClr>
+          </a:solidFill>
+          <a:ln w="127000" cap="sq" cmpd="thinThick">
+            <a:noFill/>
+          </a:ln>
         </p:spPr>
-        <p:txBody>
-          <a:bodyPr wrap="none" lIns="91440" tIns="45720" rIns="91440" bIns="45720">
-            <a:spAutoFit/>
+        <p:style>
+          <a:lnRef idx="2">
+            <a:schemeClr val="accent1">
+              <a:shade val="50000"/>
+            </a:schemeClr>
+          </a:lnRef>
+          <a:fillRef idx="1">
+            <a:schemeClr val="accent1"/>
+          </a:fillRef>
+          <a:effectRef idx="0">
+            <a:schemeClr val="accent1"/>
+          </a:effectRef>
+          <a:fontRef idx="minor">
+            <a:schemeClr val="lt1"/>
+          </a:fontRef>
+        </p:style>
+        <p:txBody>
+          <a:bodyPr rtlCol="0" anchor="ctr"/>
+          <a:lstStyle/>
+          <a:p>
+            <a:pPr algn="ctr"/>
+            <a:endParaRPr lang="en-US"/>
+          </a:p>
+        </p:txBody>
+      </p:sp>
+      <p:sp>
+        <p:nvSpPr>
+          <p:cNvPr id="5" name="Rectangle 4">
+            <a:extLst>
+              <a:ext uri="{FF2B5EF4-FFF2-40B4-BE49-F238E27FC236}">
+                <a16:creationId xmlns:a16="http://schemas.microsoft.com/office/drawing/2014/main" id="{5268B972-03E8-4D2D-8989-5CEB0EB8204F}"/>
+              </a:ext>
+            </a:extLst>
+          </p:cNvPr>
+          <p:cNvSpPr/>
+          <p:nvPr/>
+        </p:nvSpPr>
+        <p:spPr>
+          <a:xfrm>
+            <a:off x="1024128" y="965199"/>
+            <a:ext cx="6766078" cy="4927601"/>
+          </a:xfrm>
+          <a:prstGeom prst="rect">
+            <a:avLst/>
+          </a:prstGeom>
+        </p:spPr>
+        <p:txBody>
+          <a:bodyPr vert="horz" lIns="91440" tIns="45720" rIns="91440" bIns="45720" rtlCol="0" anchor="ctr">
+            <a:normAutofit/>
             <a:scene3d>
               <a:camera prst="orthographicFront"/>
               <a:lightRig rig="soft" dir="t">
@@ -3431,20 +3471,156 @@
           </a:bodyPr>
           <a:lstStyle/>
           <a:p>
-            <a:pPr algn="ctr"/>
-            <a:r>
-              <a:rPr lang="en-US" sz="5400" b="1" cap="none" spc="0" dirty="0">
+            <a:pPr algn="r">
+              <a:lnSpc>
+                <a:spcPct val="90000"/>
+              </a:lnSpc>
+              <a:spcBef>
+                <a:spcPct val="0"/>
+              </a:spcBef>
+              <a:spcAft>
+                <a:spcPts val="600"/>
+              </a:spcAft>
+            </a:pPr>
+            <a:r>
+              <a:rPr lang="en-US" sz="4800" b="1" kern="1200" cap="none" spc="0">
                 <a:ln/>
                 <a:solidFill>
-                  <a:schemeClr val="accent4"/>
+                  <a:schemeClr val="bg1"/>
                 </a:solidFill>
                 <a:effectLst/>
+                <a:latin typeface="+mj-lt"/>
+                <a:ea typeface="+mj-ea"/>
+                <a:cs typeface="+mj-cs"/>
               </a:rPr>
-              <a:t>Housing and Predictability Models </a:t>
-            </a:r>
-          </a:p>
-        </p:txBody>
-      </p:sp>
+              <a:t>California Housing and Predictability Models </a:t>
+            </a:r>
+          </a:p>
+        </p:txBody>
+      </p:sp>
+      <p:sp>
+        <p:nvSpPr>
+          <p:cNvPr id="3" name="Subtitle 2">
+            <a:extLst>
+              <a:ext uri="{FF2B5EF4-FFF2-40B4-BE49-F238E27FC236}">
+                <a16:creationId xmlns:a16="http://schemas.microsoft.com/office/drawing/2014/main" id="{5F3DC9F4-A27B-469F-82F2-A00157631669}"/>
+              </a:ext>
+            </a:extLst>
+          </p:cNvPr>
+          <p:cNvSpPr>
+            <a:spLocks noGrp="1"/>
+          </p:cNvSpPr>
+          <p:nvPr>
+            <p:ph type="subTitle" idx="1"/>
+          </p:nvPr>
+        </p:nvSpPr>
+        <p:spPr>
+          <a:xfrm>
+            <a:off x="8438729" y="965198"/>
+            <a:ext cx="2707937" cy="4927602"/>
+          </a:xfrm>
+        </p:spPr>
+        <p:txBody>
+          <a:bodyPr vert="horz" lIns="91440" tIns="45720" rIns="91440" bIns="45720" rtlCol="0" anchor="ctr">
+            <a:normAutofit/>
+          </a:bodyPr>
+          <a:lstStyle/>
+          <a:p>
+            <a:pPr algn="l"/>
+            <a:r>
+              <a:rPr lang="en-US" sz="2000" kern="1200">
+                <a:solidFill>
+                  <a:srgbClr val="FFC000"/>
+                </a:solidFill>
+                <a:latin typeface="+mn-lt"/>
+                <a:ea typeface="+mn-ea"/>
+                <a:cs typeface="+mn-cs"/>
+              </a:rPr>
+              <a:t>Eli Lobato</a:t>
+            </a:r>
+          </a:p>
+          <a:p>
+            <a:pPr algn="l"/>
+            <a:r>
+              <a:rPr lang="en-US" sz="2000" kern="1200">
+                <a:solidFill>
+                  <a:srgbClr val="FFC000"/>
+                </a:solidFill>
+                <a:latin typeface="+mn-lt"/>
+                <a:ea typeface="+mn-ea"/>
+                <a:cs typeface="+mn-cs"/>
+              </a:rPr>
+              <a:t>Yannick Befidi</a:t>
+            </a:r>
+          </a:p>
+          <a:p>
+            <a:pPr algn="l"/>
+            <a:r>
+              <a:rPr lang="en-US" sz="2000" kern="1200">
+                <a:solidFill>
+                  <a:srgbClr val="FFC000"/>
+                </a:solidFill>
+                <a:latin typeface="+mn-lt"/>
+                <a:ea typeface="+mn-ea"/>
+                <a:cs typeface="+mn-cs"/>
+              </a:rPr>
+              <a:t>Bryce Jones</a:t>
+            </a:r>
+          </a:p>
+        </p:txBody>
+      </p:sp>
+      <p:cxnSp>
+        <p:nvCxnSpPr>
+          <p:cNvPr id="12" name="Straight Connector 11">
+            <a:extLst>
+              <a:ext uri="{FF2B5EF4-FFF2-40B4-BE49-F238E27FC236}">
+                <a16:creationId xmlns:a16="http://schemas.microsoft.com/office/drawing/2014/main" id="{DC1572D0-F0FD-4D84-8F82-DC59140EB9BB}"/>
+              </a:ext>
+              <a:ext uri="{C183D7F6-B498-43B3-948B-1728B52AA6E4}">
+                <adec:decorative xmlns:adec="http://schemas.microsoft.com/office/drawing/2017/decorative" val="1"/>
+              </a:ext>
+            </a:extLst>
+          </p:cNvPr>
+          <p:cNvCxnSpPr>
+            <a:cxnSpLocks noGrp="1" noRot="1" noChangeAspect="1" noMove="1" noResize="1" noEditPoints="1" noAdjustHandles="1" noChangeArrowheads="1" noChangeShapeType="1"/>
+          </p:cNvCxnSpPr>
+          <p:nvPr>
+            <p:extLst>
+              <p:ext uri="{386F3935-93C4-4BCD-93E2-E3B085C9AB24}">
+                <p16:designElem xmlns:p16="http://schemas.microsoft.com/office/powerpoint/2015/main" val="1"/>
+              </p:ext>
+            </p:extLst>
+          </p:nvPr>
+        </p:nvCxnSpPr>
+        <p:spPr>
+          <a:xfrm>
+            <a:off x="8138160" y="2057399"/>
+            <a:ext cx="0" cy="2743200"/>
+          </a:xfrm>
+          <a:prstGeom prst="line">
+            <a:avLst/>
+          </a:prstGeom>
+          <a:ln w="19050">
+            <a:solidFill>
+              <a:schemeClr val="bg1"/>
+            </a:solidFill>
+          </a:ln>
+        </p:spPr>
+        <p:style>
+          <a:lnRef idx="1">
+            <a:schemeClr val="accent1"/>
+          </a:lnRef>
+          <a:fillRef idx="0">
+            <a:schemeClr val="accent1"/>
+          </a:fillRef>
+          <a:effectRef idx="0">
+            <a:schemeClr val="accent1"/>
+          </a:effectRef>
+          <a:fontRef idx="minor">
+            <a:schemeClr val="tx1"/>
+          </a:fontRef>
+        </p:style>
+      </p:cxnSp>
     </p:spTree>
     <p:extLst>
       <p:ext uri="{BB962C8B-B14F-4D97-AF65-F5344CB8AC3E}">
@@ -3493,10 +3669,49 @@
         </p:nvSpPr>
         <p:spPr/>
         <p:txBody>
-          <a:bodyPr/>
-          <a:lstStyle/>
-          <a:p>
-            <a:endParaRPr lang="en-US"/>
+          <a:bodyPr>
+            <a:normAutofit/>
+          </a:bodyPr>
+          <a:lstStyle/>
+          <a:p>
+            <a:pPr>
+              <a:buFont typeface="Wingdings" panose="05000000000000000000" pitchFamily="2" charset="2"/>
+              <a:buChar char="Ø"/>
+            </a:pPr>
+            <a:r>
+              <a:rPr lang="en-US" dirty="0"/>
+              <a:t>Production averaged less than 80,000 new homes annually over the last 10 years, and ongoing production continues to fall far below the projected need of 180,000 additional homes annually. </a:t>
+            </a:r>
+          </a:p>
+          <a:p>
+            <a:pPr>
+              <a:buFont typeface="Wingdings" panose="05000000000000000000" pitchFamily="2" charset="2"/>
+              <a:buChar char="Ø"/>
+            </a:pPr>
+            <a:r>
+              <a:rPr lang="en-US" dirty="0"/>
+              <a:t>Overall homeownership rates are at their lowest since the 1940s. </a:t>
+            </a:r>
+          </a:p>
+          <a:p>
+            <a:pPr>
+              <a:buFont typeface="Wingdings" panose="05000000000000000000" pitchFamily="2" charset="2"/>
+              <a:buChar char="Ø"/>
+            </a:pPr>
+            <a:r>
+              <a:rPr lang="en-US" dirty="0"/>
+              <a:t> California is home to 12 percent of the nation’s population, but a disproportionate 22 percent of the nation’s homeless population. </a:t>
+            </a:r>
+          </a:p>
+          <a:p>
+            <a:pPr>
+              <a:buFont typeface="Wingdings" panose="05000000000000000000" pitchFamily="2" charset="2"/>
+              <a:buChar char="Ø"/>
+            </a:pPr>
+            <a:r>
+              <a:rPr lang="en-US" dirty="0"/>
+              <a:t> For California’s vulnerable populations, discrimination and inadequate accommodations for people with disabilities are worsening housing cost and affordability challenges. </a:t>
+            </a:r>
           </a:p>
         </p:txBody>
       </p:sp>
@@ -3586,18 +3801,18 @@
       </p:grpSpPr>
       <p:sp>
         <p:nvSpPr>
-          <p:cNvPr id="2" name="Title 1">
-            <a:extLst>
-              <a:ext uri="{FF2B5EF4-FFF2-40B4-BE49-F238E27FC236}">
-                <a16:creationId xmlns:a16="http://schemas.microsoft.com/office/drawing/2014/main" id="{6DD943D9-C6A5-4081-835C-0371332E9D9D}"/>
-              </a:ext>
-            </a:extLst>
-          </p:cNvPr>
-          <p:cNvSpPr>
-            <a:spLocks noGrp="1"/>
-          </p:cNvSpPr>
-          <p:nvPr>
-            <p:ph type="title"/>
+          <p:cNvPr id="3" name="Content Placeholder 2">
+            <a:extLst>
+              <a:ext uri="{FF2B5EF4-FFF2-40B4-BE49-F238E27FC236}">
+                <a16:creationId xmlns:a16="http://schemas.microsoft.com/office/drawing/2014/main" id="{E05DFB80-E5D3-47B7-9E69-3B4E1D6C481C}"/>
+              </a:ext>
+            </a:extLst>
+          </p:cNvPr>
+          <p:cNvSpPr>
+            <a:spLocks noGrp="1"/>
+          </p:cNvSpPr>
+          <p:nvPr>
+            <p:ph idx="1"/>
           </p:nvPr>
         </p:nvSpPr>
         <p:spPr/>
@@ -3605,32 +3820,98 @@
           <a:bodyPr/>
           <a:lstStyle/>
           <a:p>
-            <a:endParaRPr lang="en-US"/>
-          </a:p>
-        </p:txBody>
-      </p:sp>
-      <p:sp>
-        <p:nvSpPr>
-          <p:cNvPr id="3" name="Content Placeholder 2">
-            <a:extLst>
-              <a:ext uri="{FF2B5EF4-FFF2-40B4-BE49-F238E27FC236}">
-                <a16:creationId xmlns:a16="http://schemas.microsoft.com/office/drawing/2014/main" id="{E05DFB80-E5D3-47B7-9E69-3B4E1D6C481C}"/>
-              </a:ext>
-            </a:extLst>
-          </p:cNvPr>
-          <p:cNvSpPr>
-            <a:spLocks noGrp="1"/>
-          </p:cNvSpPr>
-          <p:nvPr>
-            <p:ph idx="1"/>
-          </p:nvPr>
-        </p:nvSpPr>
-        <p:spPr/>
-        <p:txBody>
-          <a:bodyPr/>
-          <a:lstStyle/>
-          <a:p>
-            <a:endParaRPr lang="en-US"/>
+            <a:pPr>
+              <a:buFont typeface="Wingdings" panose="05000000000000000000" pitchFamily="2" charset="2"/>
+              <a:buChar char="Ø"/>
+            </a:pPr>
+            <a:r>
+              <a:rPr lang="en-US" dirty="0"/>
+              <a:t>Housing prices are appearing to drop over the next 2-3 years</a:t>
+            </a:r>
+          </a:p>
+          <a:p>
+            <a:pPr>
+              <a:buFont typeface="Wingdings" panose="05000000000000000000" pitchFamily="2" charset="2"/>
+              <a:buChar char="Ø"/>
+            </a:pPr>
+            <a:r>
+              <a:rPr lang="en-US" dirty="0"/>
+              <a:t>California is looking at a major recession that is preventing many people from getting housing in the state due to the cost of living.</a:t>
+            </a:r>
+          </a:p>
+          <a:p>
+            <a:pPr>
+              <a:buFont typeface="Wingdings" panose="05000000000000000000" pitchFamily="2" charset="2"/>
+              <a:buChar char="Ø"/>
+            </a:pPr>
+            <a:r>
+              <a:rPr lang="en-US" dirty="0"/>
+              <a:t>Housing will continue to be fluctuating in value in California</a:t>
+            </a:r>
+          </a:p>
+          <a:p>
+            <a:pPr>
+              <a:buFont typeface="Wingdings" panose="05000000000000000000" pitchFamily="2" charset="2"/>
+              <a:buChar char="Ø"/>
+            </a:pPr>
+            <a:r>
+              <a:rPr lang="en-US" dirty="0"/>
+              <a:t>Many people outside of the state are able to get an opportunity to take advantage of the housing decline in California. </a:t>
+            </a:r>
+          </a:p>
+        </p:txBody>
+      </p:sp>
+      <p:sp>
+        <p:nvSpPr>
+          <p:cNvPr id="6" name="Rectangle 5">
+            <a:extLst>
+              <a:ext uri="{FF2B5EF4-FFF2-40B4-BE49-F238E27FC236}">
+                <a16:creationId xmlns:a16="http://schemas.microsoft.com/office/drawing/2014/main" id="{19032655-DEAE-4306-B840-339E211FC1E1}"/>
+              </a:ext>
+            </a:extLst>
+          </p:cNvPr>
+          <p:cNvSpPr/>
+          <p:nvPr/>
+        </p:nvSpPr>
+        <p:spPr>
+          <a:xfrm>
+            <a:off x="4207309" y="0"/>
+            <a:ext cx="3777381" cy="923330"/>
+          </a:xfrm>
+          <a:prstGeom prst="rect">
+            <a:avLst/>
+          </a:prstGeom>
+          <a:noFill/>
+        </p:spPr>
+        <p:txBody>
+          <a:bodyPr wrap="none" lIns="91440" tIns="45720" rIns="91440" bIns="45720">
+            <a:spAutoFit/>
+            <a:scene3d>
+              <a:camera prst="orthographicFront"/>
+              <a:lightRig rig="harsh" dir="t"/>
+            </a:scene3d>
+            <a:sp3d extrusionH="57150" prstMaterial="matte">
+              <a:bevelT w="63500" h="12700" prst="angle"/>
+              <a:contourClr>
+                <a:schemeClr val="bg1">
+                  <a:lumMod val="65000"/>
+                </a:schemeClr>
+              </a:contourClr>
+            </a:sp3d>
+          </a:bodyPr>
+          <a:lstStyle/>
+          <a:p>
+            <a:pPr algn="ctr"/>
+            <a:r>
+              <a:rPr lang="en-US" sz="5400" b="1" cap="none" spc="0" dirty="0">
+                <a:ln/>
+                <a:solidFill>
+                  <a:schemeClr val="accent3"/>
+                </a:solidFill>
+                <a:effectLst/>
+              </a:rPr>
+              <a:t>Our Analysis</a:t>
+            </a:r>
           </a:p>
         </p:txBody>
       </p:sp>
@@ -3685,35 +3966,50 @@
           <a:bodyPr/>
           <a:lstStyle/>
           <a:p>
-            <a:endParaRPr lang="en-US"/>
-          </a:p>
-        </p:txBody>
-      </p:sp>
-      <p:sp>
-        <p:nvSpPr>
-          <p:cNvPr id="3" name="Content Placeholder 2">
-            <a:extLst>
-              <a:ext uri="{FF2B5EF4-FFF2-40B4-BE49-F238E27FC236}">
-                <a16:creationId xmlns:a16="http://schemas.microsoft.com/office/drawing/2014/main" id="{59AA4E87-EF75-4D85-A116-0B3C482356AB}"/>
-              </a:ext>
-            </a:extLst>
-          </p:cNvPr>
-          <p:cNvSpPr>
-            <a:spLocks noGrp="1"/>
-          </p:cNvSpPr>
-          <p:nvPr>
-            <p:ph idx="1"/>
-          </p:nvPr>
-        </p:nvSpPr>
-        <p:spPr/>
-        <p:txBody>
-          <a:bodyPr/>
-          <a:lstStyle/>
-          <a:p>
-            <a:endParaRPr lang="en-US"/>
-          </a:p>
-        </p:txBody>
-      </p:sp>
+            <a:pPr algn="ctr"/>
+            <a:r>
+              <a:rPr lang="en-US" dirty="0"/>
+              <a:t>Some Visualizations</a:t>
+            </a:r>
+          </a:p>
+        </p:txBody>
+      </p:sp>
+      <p:pic>
+        <p:nvPicPr>
+          <p:cNvPr id="5" name="Picture 4" descr="A close up of a map&#10;&#10;Description automatically generated">
+            <a:extLst>
+              <a:ext uri="{FF2B5EF4-FFF2-40B4-BE49-F238E27FC236}">
+                <a16:creationId xmlns:a16="http://schemas.microsoft.com/office/drawing/2014/main" id="{B35B7C1C-09A0-4F44-B9CB-3CAA6265951D}"/>
+              </a:ext>
+            </a:extLst>
+          </p:cNvPr>
+          <p:cNvPicPr>
+            <a:picLocks noChangeAspect="1"/>
+          </p:cNvPicPr>
+          <p:nvPr/>
+        </p:nvPicPr>
+        <p:blipFill>
+          <a:blip r:embed="rId2">
+            <a:extLst>
+              <a:ext uri="{28A0092B-C50C-407E-A947-70E740481C1C}">
+                <a14:useLocalDpi xmlns:a14="http://schemas.microsoft.com/office/drawing/2010/main" val="0"/>
+              </a:ext>
+            </a:extLst>
+          </a:blip>
+          <a:stretch>
+            <a:fillRect/>
+          </a:stretch>
+        </p:blipFill>
+        <p:spPr>
+          <a:xfrm>
+            <a:off x="2601013" y="2078220"/>
+            <a:ext cx="6552414" cy="4561485"/>
+          </a:xfrm>
+          <a:prstGeom prst="rect">
+            <a:avLst/>
+          </a:prstGeom>
+        </p:spPr>
+      </p:pic>
     </p:spTree>
     <p:extLst>
       <p:ext uri="{BB962C8B-B14F-4D97-AF65-F5344CB8AC3E}">
@@ -3765,35 +4061,50 @@
           <a:bodyPr/>
           <a:lstStyle/>
           <a:p>
-            <a:endParaRPr lang="en-US"/>
-          </a:p>
-        </p:txBody>
-      </p:sp>
-      <p:sp>
-        <p:nvSpPr>
-          <p:cNvPr id="3" name="Content Placeholder 2">
-            <a:extLst>
-              <a:ext uri="{FF2B5EF4-FFF2-40B4-BE49-F238E27FC236}">
-                <a16:creationId xmlns:a16="http://schemas.microsoft.com/office/drawing/2014/main" id="{1FDFAC01-55C6-4906-9556-978CC1747E3F}"/>
-              </a:ext>
-            </a:extLst>
-          </p:cNvPr>
-          <p:cNvSpPr>
-            <a:spLocks noGrp="1"/>
-          </p:cNvSpPr>
-          <p:nvPr>
-            <p:ph idx="1"/>
-          </p:nvPr>
-        </p:nvSpPr>
-        <p:spPr/>
-        <p:txBody>
-          <a:bodyPr/>
-          <a:lstStyle/>
-          <a:p>
-            <a:endParaRPr lang="en-US"/>
-          </a:p>
-        </p:txBody>
-      </p:sp>
+            <a:pPr algn="ctr"/>
+            <a:r>
+              <a:rPr lang="en-US" dirty="0"/>
+              <a:t>Notice of Defaults in CA</a:t>
+            </a:r>
+          </a:p>
+        </p:txBody>
+      </p:sp>
+      <p:pic>
+        <p:nvPicPr>
+          <p:cNvPr id="5" name="Picture 4" descr="A close up of a map&#10;&#10;Description automatically generated">
+            <a:extLst>
+              <a:ext uri="{FF2B5EF4-FFF2-40B4-BE49-F238E27FC236}">
+                <a16:creationId xmlns:a16="http://schemas.microsoft.com/office/drawing/2014/main" id="{F6D04D73-B109-49DB-A2B0-4E1FB2986A28}"/>
+              </a:ext>
+            </a:extLst>
+          </p:cNvPr>
+          <p:cNvPicPr>
+            <a:picLocks noChangeAspect="1"/>
+          </p:cNvPicPr>
+          <p:nvPr/>
+        </p:nvPicPr>
+        <p:blipFill>
+          <a:blip r:embed="rId2">
+            <a:extLst>
+              <a:ext uri="{28A0092B-C50C-407E-A947-70E740481C1C}">
+                <a14:useLocalDpi xmlns:a14="http://schemas.microsoft.com/office/drawing/2010/main" val="0"/>
+              </a:ext>
+            </a:extLst>
+          </a:blip>
+          <a:stretch>
+            <a:fillRect/>
+          </a:stretch>
+        </p:blipFill>
+        <p:spPr>
+          <a:xfrm>
+            <a:off x="1343891" y="1854929"/>
+            <a:ext cx="8866909" cy="4477464"/>
+          </a:xfrm>
+          <a:prstGeom prst="rect">
+            <a:avLst/>
+          </a:prstGeom>
+        </p:spPr>
+      </p:pic>
     </p:spTree>
     <p:extLst>
       <p:ext uri="{BB962C8B-B14F-4D97-AF65-F5344CB8AC3E}">
@@ -3810,6 +4121,14 @@
 <file path=ppt/slides/slide6.xml><?xml version="1.0" encoding="utf-8"?>
 <p:sld xmlns:a="http://schemas.openxmlformats.org/drawingml/2006/main" xmlns:r="http://schemas.openxmlformats.org/officeDocument/2006/relationships" xmlns:p="http://schemas.openxmlformats.org/presentationml/2006/main">
   <p:cSld>
+    <p:bg>
+      <p:bgPr>
+        <a:solidFill>
+          <a:schemeClr val="bg1"/>
+        </a:solidFill>
+        <a:effectLst/>
+      </p:bgPr>
+    </p:bg>
     <p:spTree>
       <p:nvGrpSpPr>
         <p:cNvPr id="1" name=""/>
@@ -3824,56 +4143,41 @@
           <a:chExt cx="0" cy="0"/>
         </a:xfrm>
       </p:grpSpPr>
-      <p:sp>
-        <p:nvSpPr>
-          <p:cNvPr id="2" name="Title 1">
-            <a:extLst>
-              <a:ext uri="{FF2B5EF4-FFF2-40B4-BE49-F238E27FC236}">
-                <a16:creationId xmlns:a16="http://schemas.microsoft.com/office/drawing/2014/main" id="{4C5D0605-754E-47D6-9818-236F11720DA7}"/>
-              </a:ext>
-            </a:extLst>
-          </p:cNvPr>
-          <p:cNvSpPr>
-            <a:spLocks noGrp="1"/>
-          </p:cNvSpPr>
-          <p:nvPr>
-            <p:ph type="title"/>
-          </p:nvPr>
-        </p:nvSpPr>
-        <p:spPr/>
-        <p:txBody>
-          <a:bodyPr/>
-          <a:lstStyle/>
-          <a:p>
-            <a:endParaRPr lang="en-US"/>
-          </a:p>
-        </p:txBody>
-      </p:sp>
-      <p:sp>
-        <p:nvSpPr>
-          <p:cNvPr id="3" name="Content Placeholder 2">
-            <a:extLst>
-              <a:ext uri="{FF2B5EF4-FFF2-40B4-BE49-F238E27FC236}">
-                <a16:creationId xmlns:a16="http://schemas.microsoft.com/office/drawing/2014/main" id="{54FEC7B6-D529-43D4-A7EE-C037060D9D9D}"/>
-              </a:ext>
-            </a:extLst>
-          </p:cNvPr>
-          <p:cNvSpPr>
-            <a:spLocks noGrp="1"/>
-          </p:cNvSpPr>
-          <p:nvPr>
-            <p:ph idx="1"/>
-          </p:nvPr>
-        </p:nvSpPr>
-        <p:spPr/>
-        <p:txBody>
-          <a:bodyPr/>
-          <a:lstStyle/>
-          <a:p>
-            <a:endParaRPr lang="en-US"/>
-          </a:p>
-        </p:txBody>
-      </p:sp>
+      <p:pic>
+        <p:nvPicPr>
+          <p:cNvPr id="5" name="Picture 4" descr="A close up of a map&#10;&#10;Description automatically generated">
+            <a:extLst>
+              <a:ext uri="{FF2B5EF4-FFF2-40B4-BE49-F238E27FC236}">
+                <a16:creationId xmlns:a16="http://schemas.microsoft.com/office/drawing/2014/main" id="{094A9408-40F3-4123-9308-30EFA2088A65}"/>
+              </a:ext>
+            </a:extLst>
+          </p:cNvPr>
+          <p:cNvPicPr>
+            <a:picLocks noChangeAspect="1"/>
+          </p:cNvPicPr>
+          <p:nvPr/>
+        </p:nvPicPr>
+        <p:blipFill rotWithShape="1">
+          <a:blip r:embed="rId2">
+            <a:extLst>
+              <a:ext uri="{28A0092B-C50C-407E-A947-70E740481C1C}">
+                <a14:useLocalDpi xmlns:a14="http://schemas.microsoft.com/office/drawing/2010/main" val="0"/>
+              </a:ext>
+            </a:extLst>
+          </a:blip>
+          <a:srcRect t="4266" b="22919"/>
+          <a:stretch/>
+        </p:blipFill>
+        <p:spPr>
+          <a:xfrm>
+            <a:off x="20" y="10"/>
+            <a:ext cx="12191980" cy="6857990"/>
+          </a:xfrm>
+          <a:prstGeom prst="rect">
+            <a:avLst/>
+          </a:prstGeom>
+        </p:spPr>
+      </p:pic>
     </p:spTree>
     <p:extLst>
       <p:ext uri="{BB962C8B-B14F-4D97-AF65-F5344CB8AC3E}">
@@ -3904,60 +4208,100 @@
           <a:chExt cx="0" cy="0"/>
         </a:xfrm>
       </p:grpSpPr>
-      <p:sp>
-        <p:nvSpPr>
-          <p:cNvPr id="2" name="Title 1">
-            <a:extLst>
-              <a:ext uri="{FF2B5EF4-FFF2-40B4-BE49-F238E27FC236}">
-                <a16:creationId xmlns:a16="http://schemas.microsoft.com/office/drawing/2014/main" id="{91E7A0AE-5B30-4F44-83E1-928839C586A7}"/>
-              </a:ext>
-            </a:extLst>
-          </p:cNvPr>
-          <p:cNvSpPr>
-            <a:spLocks noGrp="1"/>
-          </p:cNvSpPr>
-          <p:nvPr>
-            <p:ph type="title"/>
-          </p:nvPr>
-        </p:nvSpPr>
-        <p:spPr/>
-        <p:txBody>
-          <a:bodyPr/>
-          <a:lstStyle/>
-          <a:p>
-            <a:endParaRPr lang="en-US"/>
-          </a:p>
-        </p:txBody>
-      </p:sp>
-      <p:sp>
-        <p:nvSpPr>
-          <p:cNvPr id="3" name="Content Placeholder 2">
-            <a:extLst>
-              <a:ext uri="{FF2B5EF4-FFF2-40B4-BE49-F238E27FC236}">
-                <a16:creationId xmlns:a16="http://schemas.microsoft.com/office/drawing/2014/main" id="{706D6A76-C486-40AA-8228-E85B0892A99A}"/>
-              </a:ext>
-            </a:extLst>
-          </p:cNvPr>
-          <p:cNvSpPr>
-            <a:spLocks noGrp="1"/>
-          </p:cNvSpPr>
-          <p:nvPr>
-            <p:ph idx="1"/>
-          </p:nvPr>
-        </p:nvSpPr>
-        <p:spPr/>
-        <p:txBody>
-          <a:bodyPr/>
-          <a:lstStyle/>
-          <a:p>
-            <a:endParaRPr lang="en-US"/>
+      <p:pic>
+        <p:nvPicPr>
+          <p:cNvPr id="3" name="Picture 2" descr="A screenshot of a cell phone&#10;&#10;Description automatically generated">
+            <a:extLst>
+              <a:ext uri="{FF2B5EF4-FFF2-40B4-BE49-F238E27FC236}">
+                <a16:creationId xmlns:a16="http://schemas.microsoft.com/office/drawing/2014/main" id="{58741782-45F7-4DAB-993A-E12AF263E978}"/>
+              </a:ext>
+            </a:extLst>
+          </p:cNvPr>
+          <p:cNvPicPr>
+            <a:picLocks noChangeAspect="1"/>
+          </p:cNvPicPr>
+          <p:nvPr/>
+        </p:nvPicPr>
+        <p:blipFill>
+          <a:blip r:embed="rId2">
+            <a:extLst>
+              <a:ext uri="{28A0092B-C50C-407E-A947-70E740481C1C}">
+                <a14:useLocalDpi xmlns:a14="http://schemas.microsoft.com/office/drawing/2010/main" val="0"/>
+              </a:ext>
+            </a:extLst>
+          </a:blip>
+          <a:stretch>
+            <a:fillRect/>
+          </a:stretch>
+        </p:blipFill>
+        <p:spPr>
+          <a:xfrm>
+            <a:off x="1441285" y="1939538"/>
+            <a:ext cx="8918811" cy="4918462"/>
+          </a:xfrm>
+          <a:prstGeom prst="rect">
+            <a:avLst/>
+          </a:prstGeom>
+        </p:spPr>
+      </p:pic>
+      <p:sp>
+        <p:nvSpPr>
+          <p:cNvPr id="2" name="Rectangle 1">
+            <a:extLst>
+              <a:ext uri="{FF2B5EF4-FFF2-40B4-BE49-F238E27FC236}">
+                <a16:creationId xmlns:a16="http://schemas.microsoft.com/office/drawing/2014/main" id="{C7D9E2CF-7475-412E-8CB2-6658F51881C0}"/>
+              </a:ext>
+            </a:extLst>
+          </p:cNvPr>
+          <p:cNvSpPr/>
+          <p:nvPr/>
+        </p:nvSpPr>
+        <p:spPr>
+          <a:xfrm>
+            <a:off x="4067688" y="428321"/>
+            <a:ext cx="3293146" cy="923330"/>
+          </a:xfrm>
+          <a:prstGeom prst="rect">
+            <a:avLst/>
+          </a:prstGeom>
+          <a:noFill/>
+        </p:spPr>
+        <p:txBody>
+          <a:bodyPr wrap="none" lIns="91440" tIns="45720" rIns="91440" bIns="45720">
+            <a:spAutoFit/>
+            <a:scene3d>
+              <a:camera prst="orthographicFront"/>
+              <a:lightRig rig="harsh" dir="t"/>
+            </a:scene3d>
+            <a:sp3d extrusionH="57150" prstMaterial="matte">
+              <a:bevelT w="63500" h="12700" prst="angle"/>
+              <a:contourClr>
+                <a:schemeClr val="bg1">
+                  <a:lumMod val="65000"/>
+                </a:schemeClr>
+              </a:contourClr>
+            </a:sp3d>
+          </a:bodyPr>
+          <a:lstStyle/>
+          <a:p>
+            <a:pPr algn="ctr"/>
+            <a:r>
+              <a:rPr lang="en-US" sz="5400" b="1" cap="none" spc="0" dirty="0">
+                <a:ln/>
+                <a:solidFill>
+                  <a:schemeClr val="accent3"/>
+                </a:solidFill>
+                <a:effectLst/>
+              </a:rPr>
+              <a:t>The Future</a:t>
+            </a:r>
           </a:p>
         </p:txBody>
       </p:sp>
     </p:spTree>
     <p:extLst>
       <p:ext uri="{BB962C8B-B14F-4D97-AF65-F5344CB8AC3E}">
-        <p14:creationId xmlns:p14="http://schemas.microsoft.com/office/powerpoint/2010/main" val="3937954053"/>
+        <p14:creationId xmlns:p14="http://schemas.microsoft.com/office/powerpoint/2010/main" val="3027124746"/>
       </p:ext>
     </p:extLst>
   </p:cSld>

--- a/Final_Project/Housing_Final_Presentation.pptx
+++ b/Final_Project/Housing_Final_Presentation.pptx
@@ -10,8 +10,8 @@
     <p:sldId id="258" r:id="rId4"/>
     <p:sldId id="259" r:id="rId5"/>
     <p:sldId id="260" r:id="rId6"/>
-    <p:sldId id="261" r:id="rId7"/>
-    <p:sldId id="263" r:id="rId8"/>
+    <p:sldId id="263" r:id="rId7"/>
+    <p:sldId id="264" r:id="rId8"/>
   </p:sldIdLst>
   <p:sldSz cx="12192000" cy="6858000"/>
   <p:notesSz cx="6858000" cy="9144000"/>
@@ -3976,10 +3976,10 @@
       </p:sp>
       <p:pic>
         <p:nvPicPr>
-          <p:cNvPr id="5" name="Picture 4" descr="A close up of a map&#10;&#10;Description automatically generated">
-            <a:extLst>
-              <a:ext uri="{FF2B5EF4-FFF2-40B4-BE49-F238E27FC236}">
-                <a16:creationId xmlns:a16="http://schemas.microsoft.com/office/drawing/2014/main" id="{B35B7C1C-09A0-4F44-B9CB-3CAA6265951D}"/>
+          <p:cNvPr id="4" name="Picture 3" descr="A picture containing white, black, large&#10;&#10;Description automatically generated">
+            <a:extLst>
+              <a:ext uri="{FF2B5EF4-FFF2-40B4-BE49-F238E27FC236}">
+                <a16:creationId xmlns:a16="http://schemas.microsoft.com/office/drawing/2014/main" id="{AD0FF570-BD6D-48C5-B9B2-D5DCFA5BEE9C}"/>
               </a:ext>
             </a:extLst>
           </p:cNvPr>
@@ -4002,8 +4002,8 @@
         </p:blipFill>
         <p:spPr>
           <a:xfrm>
-            <a:off x="2601013" y="2078220"/>
-            <a:ext cx="6552414" cy="4561485"/>
+            <a:off x="1421118" y="1569928"/>
+            <a:ext cx="8817104" cy="4922947"/>
           </a:xfrm>
           <a:prstGeom prst="rect">
             <a:avLst/>
@@ -4040,41 +4040,12 @@
           <a:chExt cx="0" cy="0"/>
         </a:xfrm>
       </p:grpSpPr>
-      <p:sp>
-        <p:nvSpPr>
-          <p:cNvPr id="2" name="Title 1">
-            <a:extLst>
-              <a:ext uri="{FF2B5EF4-FFF2-40B4-BE49-F238E27FC236}">
-                <a16:creationId xmlns:a16="http://schemas.microsoft.com/office/drawing/2014/main" id="{5DF453B3-F70B-4975-8A60-14FDA5DD5F1D}"/>
-              </a:ext>
-            </a:extLst>
-          </p:cNvPr>
-          <p:cNvSpPr>
-            <a:spLocks noGrp="1"/>
-          </p:cNvSpPr>
-          <p:nvPr>
-            <p:ph type="title"/>
-          </p:nvPr>
-        </p:nvSpPr>
-        <p:spPr/>
-        <p:txBody>
-          <a:bodyPr/>
-          <a:lstStyle/>
-          <a:p>
-            <a:pPr algn="ctr"/>
-            <a:r>
-              <a:rPr lang="en-US" dirty="0"/>
-              <a:t>Notice of Defaults in CA</a:t>
-            </a:r>
-          </a:p>
-        </p:txBody>
-      </p:sp>
       <p:pic>
         <p:nvPicPr>
-          <p:cNvPr id="5" name="Picture 4" descr="A close up of a map&#10;&#10;Description automatically generated">
-            <a:extLst>
-              <a:ext uri="{FF2B5EF4-FFF2-40B4-BE49-F238E27FC236}">
-                <a16:creationId xmlns:a16="http://schemas.microsoft.com/office/drawing/2014/main" id="{F6D04D73-B109-49DB-A2B0-4E1FB2986A28}"/>
+          <p:cNvPr id="7" name="Picture 6" descr="A close up of a map&#10;&#10;Description automatically generated">
+            <a:extLst>
+              <a:ext uri="{FF2B5EF4-FFF2-40B4-BE49-F238E27FC236}">
+                <a16:creationId xmlns:a16="http://schemas.microsoft.com/office/drawing/2014/main" id="{4CB3F461-FDE8-4ED0-A15D-686D87159E6C}"/>
               </a:ext>
             </a:extLst>
           </p:cNvPr>
@@ -4097,8 +4068,8 @@
         </p:blipFill>
         <p:spPr>
           <a:xfrm>
-            <a:off x="1343891" y="1854929"/>
-            <a:ext cx="8866909" cy="4477464"/>
+            <a:off x="2125636" y="1154233"/>
+            <a:ext cx="7940728" cy="4549534"/>
           </a:xfrm>
           <a:prstGeom prst="rect">
             <a:avLst/>
@@ -4121,14 +4092,6 @@
 <file path=ppt/slides/slide6.xml><?xml version="1.0" encoding="utf-8"?>
 <p:sld xmlns:a="http://schemas.openxmlformats.org/drawingml/2006/main" xmlns:r="http://schemas.openxmlformats.org/officeDocument/2006/relationships" xmlns:p="http://schemas.openxmlformats.org/presentationml/2006/main">
   <p:cSld>
-    <p:bg>
-      <p:bgPr>
-        <a:solidFill>
-          <a:schemeClr val="bg1"/>
-        </a:solidFill>
-        <a:effectLst/>
-      </p:bgPr>
-    </p:bg>
     <p:spTree>
       <p:nvGrpSpPr>
         <p:cNvPr id="1" name=""/>
@@ -4145,10 +4108,10 @@
       </p:grpSpPr>
       <p:pic>
         <p:nvPicPr>
-          <p:cNvPr id="5" name="Picture 4" descr="A close up of a map&#10;&#10;Description automatically generated">
-            <a:extLst>
-              <a:ext uri="{FF2B5EF4-FFF2-40B4-BE49-F238E27FC236}">
-                <a16:creationId xmlns:a16="http://schemas.microsoft.com/office/drawing/2014/main" id="{094A9408-40F3-4123-9308-30EFA2088A65}"/>
+          <p:cNvPr id="4" name="Picture 3">
+            <a:extLst>
+              <a:ext uri="{FF2B5EF4-FFF2-40B4-BE49-F238E27FC236}">
+                <a16:creationId xmlns:a16="http://schemas.microsoft.com/office/drawing/2014/main" id="{8E0F7CF8-77D7-428C-8D40-FE822EA8076F}"/>
               </a:ext>
             </a:extLst>
           </p:cNvPr>
@@ -4157,21 +4120,16 @@
           </p:cNvPicPr>
           <p:nvPr/>
         </p:nvPicPr>
-        <p:blipFill rotWithShape="1">
-          <a:blip r:embed="rId2">
-            <a:extLst>
-              <a:ext uri="{28A0092B-C50C-407E-A947-70E740481C1C}">
-                <a14:useLocalDpi xmlns:a14="http://schemas.microsoft.com/office/drawing/2010/main" val="0"/>
-              </a:ext>
-            </a:extLst>
-          </a:blip>
-          <a:srcRect t="4266" b="22919"/>
-          <a:stretch/>
+        <p:blipFill>
+          <a:blip r:embed="rId2"/>
+          <a:stretch>
+            <a:fillRect/>
+          </a:stretch>
         </p:blipFill>
         <p:spPr>
           <a:xfrm>
-            <a:off x="20" y="10"/>
-            <a:ext cx="12191980" cy="6857990"/>
+            <a:off x="0" y="0"/>
+            <a:ext cx="12192000" cy="6858000"/>
           </a:xfrm>
           <a:prstGeom prst="rect">
             <a:avLst/>
@@ -4181,7 +4139,7 @@
     </p:spTree>
     <p:extLst>
       <p:ext uri="{BB962C8B-B14F-4D97-AF65-F5344CB8AC3E}">
-        <p14:creationId xmlns:p14="http://schemas.microsoft.com/office/powerpoint/2010/main" val="2189723529"/>
+        <p14:creationId xmlns:p14="http://schemas.microsoft.com/office/powerpoint/2010/main" val="3027124746"/>
       </p:ext>
     </p:extLst>
   </p:cSld>
@@ -4208,100 +4166,98 @@
           <a:chExt cx="0" cy="0"/>
         </a:xfrm>
       </p:grpSpPr>
-      <p:pic>
-        <p:nvPicPr>
-          <p:cNvPr id="3" name="Picture 2" descr="A screenshot of a cell phone&#10;&#10;Description automatically generated">
-            <a:extLst>
-              <a:ext uri="{FF2B5EF4-FFF2-40B4-BE49-F238E27FC236}">
-                <a16:creationId xmlns:a16="http://schemas.microsoft.com/office/drawing/2014/main" id="{58741782-45F7-4DAB-993A-E12AF263E978}"/>
-              </a:ext>
-            </a:extLst>
-          </p:cNvPr>
-          <p:cNvPicPr>
-            <a:picLocks noChangeAspect="1"/>
-          </p:cNvPicPr>
-          <p:nvPr/>
-        </p:nvPicPr>
-        <p:blipFill>
-          <a:blip r:embed="rId2">
-            <a:extLst>
-              <a:ext uri="{28A0092B-C50C-407E-A947-70E740481C1C}">
-                <a14:useLocalDpi xmlns:a14="http://schemas.microsoft.com/office/drawing/2010/main" val="0"/>
-              </a:ext>
-            </a:extLst>
-          </a:blip>
-          <a:stretch>
-            <a:fillRect/>
-          </a:stretch>
-        </p:blipFill>
-        <p:spPr>
-          <a:xfrm>
-            <a:off x="1441285" y="1939538"/>
-            <a:ext cx="8918811" cy="4918462"/>
-          </a:xfrm>
-          <a:prstGeom prst="rect">
-            <a:avLst/>
-          </a:prstGeom>
-        </p:spPr>
-      </p:pic>
-      <p:sp>
-        <p:nvSpPr>
-          <p:cNvPr id="2" name="Rectangle 1">
-            <a:extLst>
-              <a:ext uri="{FF2B5EF4-FFF2-40B4-BE49-F238E27FC236}">
-                <a16:creationId xmlns:a16="http://schemas.microsoft.com/office/drawing/2014/main" id="{C7D9E2CF-7475-412E-8CB2-6658F51881C0}"/>
-              </a:ext>
-            </a:extLst>
-          </p:cNvPr>
-          <p:cNvSpPr/>
-          <p:nvPr/>
-        </p:nvSpPr>
-        <p:spPr>
-          <a:xfrm>
-            <a:off x="4067688" y="428321"/>
-            <a:ext cx="3293146" cy="923330"/>
-          </a:xfrm>
-          <a:prstGeom prst="rect">
-            <a:avLst/>
-          </a:prstGeom>
-          <a:noFill/>
-        </p:spPr>
-        <p:txBody>
-          <a:bodyPr wrap="none" lIns="91440" tIns="45720" rIns="91440" bIns="45720">
-            <a:spAutoFit/>
-            <a:scene3d>
-              <a:camera prst="orthographicFront"/>
-              <a:lightRig rig="harsh" dir="t"/>
-            </a:scene3d>
-            <a:sp3d extrusionH="57150" prstMaterial="matte">
-              <a:bevelT w="63500" h="12700" prst="angle"/>
-              <a:contourClr>
-                <a:schemeClr val="bg1">
-                  <a:lumMod val="65000"/>
-                </a:schemeClr>
-              </a:contourClr>
-            </a:sp3d>
-          </a:bodyPr>
-          <a:lstStyle/>
-          <a:p>
-            <a:pPr algn="ctr"/>
-            <a:r>
-              <a:rPr lang="en-US" sz="5400" b="1" cap="none" spc="0" dirty="0">
-                <a:ln/>
-                <a:solidFill>
-                  <a:schemeClr val="accent3"/>
-                </a:solidFill>
-                <a:effectLst/>
-              </a:rPr>
-              <a:t>The Future</a:t>
-            </a:r>
+      <p:sp>
+        <p:nvSpPr>
+          <p:cNvPr id="2" name="Title 1">
+            <a:extLst>
+              <a:ext uri="{FF2B5EF4-FFF2-40B4-BE49-F238E27FC236}">
+                <a16:creationId xmlns:a16="http://schemas.microsoft.com/office/drawing/2014/main" id="{422229B9-0220-4E09-8052-D6A90A8FB9D5}"/>
+              </a:ext>
+            </a:extLst>
+          </p:cNvPr>
+          <p:cNvSpPr>
+            <a:spLocks noGrp="1"/>
+          </p:cNvSpPr>
+          <p:nvPr>
+            <p:ph type="title"/>
+          </p:nvPr>
+        </p:nvSpPr>
+        <p:spPr/>
+        <p:txBody>
+          <a:bodyPr/>
+          <a:lstStyle/>
+          <a:p>
+            <a:r>
+              <a:rPr lang="en-US" dirty="0"/>
+              <a:t>Tools that were Utilized:</a:t>
+            </a:r>
+          </a:p>
+        </p:txBody>
+      </p:sp>
+      <p:sp>
+        <p:nvSpPr>
+          <p:cNvPr id="3" name="Content Placeholder 2">
+            <a:extLst>
+              <a:ext uri="{FF2B5EF4-FFF2-40B4-BE49-F238E27FC236}">
+                <a16:creationId xmlns:a16="http://schemas.microsoft.com/office/drawing/2014/main" id="{E400A943-4AB4-4E7D-B76B-32A9718BBC27}"/>
+              </a:ext>
+            </a:extLst>
+          </p:cNvPr>
+          <p:cNvSpPr>
+            <a:spLocks noGrp="1"/>
+          </p:cNvSpPr>
+          <p:nvPr>
+            <p:ph idx="1"/>
+          </p:nvPr>
+        </p:nvSpPr>
+        <p:spPr/>
+        <p:txBody>
+          <a:bodyPr/>
+          <a:lstStyle/>
+          <a:p>
+            <a:r>
+              <a:rPr lang="en-US" dirty="0"/>
+              <a:t>Tableau</a:t>
+            </a:r>
+          </a:p>
+          <a:p>
+            <a:r>
+              <a:rPr lang="en-US" dirty="0"/>
+              <a:t>Python/Pandas</a:t>
+            </a:r>
+          </a:p>
+          <a:p>
+            <a:r>
+              <a:rPr lang="en-US" dirty="0" err="1"/>
+              <a:t>Jupyter</a:t>
+            </a:r>
+            <a:r>
+              <a:rPr lang="en-US" dirty="0"/>
+              <a:t> Notebook</a:t>
+            </a:r>
+          </a:p>
+          <a:p>
+            <a:r>
+              <a:rPr lang="en-US" dirty="0" err="1"/>
+              <a:t>Sklearn</a:t>
+            </a:r>
+            <a:endParaRPr lang="en-US" dirty="0"/>
+          </a:p>
+          <a:p>
+            <a:r>
+              <a:rPr lang="en-US" dirty="0"/>
+              <a:t>Seaborn</a:t>
+            </a:r>
+          </a:p>
+          <a:p>
+            <a:endParaRPr lang="en-US" dirty="0"/>
           </a:p>
         </p:txBody>
       </p:sp>
     </p:spTree>
     <p:extLst>
       <p:ext uri="{BB962C8B-B14F-4D97-AF65-F5344CB8AC3E}">
-        <p14:creationId xmlns:p14="http://schemas.microsoft.com/office/powerpoint/2010/main" val="3027124746"/>
+        <p14:creationId xmlns:p14="http://schemas.microsoft.com/office/powerpoint/2010/main" val="2946800115"/>
       </p:ext>
     </p:extLst>
   </p:cSld>
